--- a/03_Optimus/03_Documents Projet/RVP1.pptx
+++ b/03_Optimus/03_Documents Projet/RVP1.pptx
@@ -302,7 +302,7 @@
           <a:p>
             <a:fld id="{96DFF08F-DC6B-4601-B491-B0F83F6DD2DA}" type="datetimeFigureOut">
               <a:rPr lang="en-US" smtClean="0"/>
-              <a:t>12/19/2018</a:t>
+              <a:t>1/2/2019</a:t>
             </a:fld>
             <a:endParaRPr lang="en-US" dirty="0"/>
           </a:p>
@@ -472,7 +472,7 @@
           <a:p>
             <a:fld id="{96DFF08F-DC6B-4601-B491-B0F83F6DD2DA}" type="datetimeFigureOut">
               <a:rPr lang="en-US" smtClean="0"/>
-              <a:t>12/19/2018</a:t>
+              <a:t>1/2/2019</a:t>
             </a:fld>
             <a:endParaRPr lang="en-US" dirty="0"/>
           </a:p>
@@ -695,7 +695,7 @@
           <a:p>
             <a:fld id="{96DFF08F-DC6B-4601-B491-B0F83F6DD2DA}" type="datetimeFigureOut">
               <a:rPr lang="en-US" smtClean="0"/>
-              <a:t>12/19/2018</a:t>
+              <a:t>1/2/2019</a:t>
             </a:fld>
             <a:endParaRPr lang="en-US" dirty="0"/>
           </a:p>
@@ -875,7 +875,7 @@
           <a:p>
             <a:fld id="{96DFF08F-DC6B-4601-B491-B0F83F6DD2DA}" type="datetimeFigureOut">
               <a:rPr lang="en-US" smtClean="0"/>
-              <a:t>12/19/2018</a:t>
+              <a:t>1/2/2019</a:t>
             </a:fld>
             <a:endParaRPr lang="en-US" dirty="0"/>
           </a:p>
@@ -1182,7 +1182,7 @@
             <a:fld id="{96DFF08F-DC6B-4601-B491-B0F83F6DD2DA}" type="datetimeFigureOut">
               <a:rPr lang="en-US" smtClean="0"/>
               <a:pPr/>
-              <a:t>12/19/2018</a:t>
+              <a:t>1/2/2019</a:t>
             </a:fld>
             <a:endParaRPr lang="en-US" dirty="0"/>
           </a:p>
@@ -1487,7 +1487,7 @@
           <a:p>
             <a:fld id="{96DFF08F-DC6B-4601-B491-B0F83F6DD2DA}" type="datetimeFigureOut">
               <a:rPr lang="en-US" smtClean="0"/>
-              <a:t>12/19/2018</a:t>
+              <a:t>1/2/2019</a:t>
             </a:fld>
             <a:endParaRPr lang="en-US" dirty="0"/>
           </a:p>
@@ -1909,7 +1909,7 @@
           <a:p>
             <a:fld id="{96DFF08F-DC6B-4601-B491-B0F83F6DD2DA}" type="datetimeFigureOut">
               <a:rPr lang="en-US" smtClean="0"/>
-              <a:t>12/19/2018</a:t>
+              <a:t>1/2/2019</a:t>
             </a:fld>
             <a:endParaRPr lang="en-US" dirty="0"/>
           </a:p>
@@ -2027,7 +2027,7 @@
           <a:p>
             <a:fld id="{96DFF08F-DC6B-4601-B491-B0F83F6DD2DA}" type="datetimeFigureOut">
               <a:rPr lang="en-US" smtClean="0"/>
-              <a:t>12/19/2018</a:t>
+              <a:t>1/2/2019</a:t>
             </a:fld>
             <a:endParaRPr lang="en-US" dirty="0"/>
           </a:p>
@@ -2122,7 +2122,7 @@
           <a:p>
             <a:fld id="{96DFF08F-DC6B-4601-B491-B0F83F6DD2DA}" type="datetimeFigureOut">
               <a:rPr lang="en-US" smtClean="0"/>
-              <a:t>12/19/2018</a:t>
+              <a:t>1/2/2019</a:t>
             </a:fld>
             <a:endParaRPr lang="en-US" dirty="0"/>
           </a:p>
@@ -2395,7 +2395,7 @@
           <a:p>
             <a:fld id="{96DFF08F-DC6B-4601-B491-B0F83F6DD2DA}" type="datetimeFigureOut">
               <a:rPr lang="en-US" smtClean="0"/>
-              <a:t>12/19/2018</a:t>
+              <a:t>1/2/2019</a:t>
             </a:fld>
             <a:endParaRPr lang="en-US" dirty="0"/>
           </a:p>
@@ -2660,7 +2660,7 @@
           <a:p>
             <a:fld id="{96DFF08F-DC6B-4601-B491-B0F83F6DD2DA}" type="datetimeFigureOut">
               <a:rPr lang="en-US" smtClean="0"/>
-              <a:t>12/19/2018</a:t>
+              <a:t>1/2/2019</a:t>
             </a:fld>
             <a:endParaRPr lang="en-US" dirty="0"/>
           </a:p>
@@ -2910,7 +2910,7 @@
             <a:fld id="{96DFF08F-DC6B-4601-B491-B0F83F6DD2DA}" type="datetimeFigureOut">
               <a:rPr lang="en-US" smtClean="0"/>
               <a:pPr/>
-              <a:t>12/19/2018</a:t>
+              <a:t>1/2/2019</a:t>
             </a:fld>
             <a:endParaRPr lang="en-US" dirty="0"/>
           </a:p>
@@ -3674,13 +3674,7 @@
               <a:rPr lang="fr-FR" sz="3200" dirty="0" smtClean="0">
                 <a:latin typeface="Century Gothic" panose="020B0502020202020204" pitchFamily="34" charset="0"/>
               </a:rPr>
-              <a:t>Janvier </a:t>
-            </a:r>
-            <a:r>
-              <a:rPr lang="fr-FR" sz="3200" dirty="0" smtClean="0">
-                <a:latin typeface="Century Gothic" panose="020B0502020202020204" pitchFamily="34" charset="0"/>
-              </a:rPr>
-              <a:t>2018</a:t>
+              <a:t>Mercredi 16 Janvier 2019</a:t>
             </a:r>
             <a:endParaRPr lang="fr-FR" sz="3200" dirty="0">
               <a:latin typeface="Century Gothic" panose="020B0502020202020204" pitchFamily="34" charset="0"/>
